--- a/papers/ellicular/images/Hubble-grid-2/Hubble-grid-2-2.pptx
+++ b/papers/ellicular/images/Hubble-grid-2/Hubble-grid-2-2.pptx
@@ -290,7 +290,7 @@
           <a:p>
             <a:fld id="{0FEBD326-C510-3641-AE43-F6AA4829DB70}" type="datetimeFigureOut">
               <a:rPr lang="en-US" smtClean="0"/>
-              <a:t>18/08/15</a:t>
+              <a:t>29/10/15</a:t>
             </a:fld>
             <a:endParaRPr lang="en-US"/>
           </a:p>
@@ -460,7 +460,7 @@
           <a:p>
             <a:fld id="{0FEBD326-C510-3641-AE43-F6AA4829DB70}" type="datetimeFigureOut">
               <a:rPr lang="en-US" smtClean="0"/>
-              <a:t>18/08/15</a:t>
+              <a:t>29/10/15</a:t>
             </a:fld>
             <a:endParaRPr lang="en-US"/>
           </a:p>
@@ -640,7 +640,7 @@
           <a:p>
             <a:fld id="{0FEBD326-C510-3641-AE43-F6AA4829DB70}" type="datetimeFigureOut">
               <a:rPr lang="en-US" smtClean="0"/>
-              <a:t>18/08/15</a:t>
+              <a:t>29/10/15</a:t>
             </a:fld>
             <a:endParaRPr lang="en-US"/>
           </a:p>
@@ -810,7 +810,7 @@
           <a:p>
             <a:fld id="{0FEBD326-C510-3641-AE43-F6AA4829DB70}" type="datetimeFigureOut">
               <a:rPr lang="en-US" smtClean="0"/>
-              <a:t>18/08/15</a:t>
+              <a:t>29/10/15</a:t>
             </a:fld>
             <a:endParaRPr lang="en-US"/>
           </a:p>
@@ -1056,7 +1056,7 @@
           <a:p>
             <a:fld id="{0FEBD326-C510-3641-AE43-F6AA4829DB70}" type="datetimeFigureOut">
               <a:rPr lang="en-US" smtClean="0"/>
-              <a:t>18/08/15</a:t>
+              <a:t>29/10/15</a:t>
             </a:fld>
             <a:endParaRPr lang="en-US"/>
           </a:p>
@@ -1344,7 +1344,7 @@
           <a:p>
             <a:fld id="{0FEBD326-C510-3641-AE43-F6AA4829DB70}" type="datetimeFigureOut">
               <a:rPr lang="en-US" smtClean="0"/>
-              <a:t>18/08/15</a:t>
+              <a:t>29/10/15</a:t>
             </a:fld>
             <a:endParaRPr lang="en-US"/>
           </a:p>
@@ -1766,7 +1766,7 @@
           <a:p>
             <a:fld id="{0FEBD326-C510-3641-AE43-F6AA4829DB70}" type="datetimeFigureOut">
               <a:rPr lang="en-US" smtClean="0"/>
-              <a:t>18/08/15</a:t>
+              <a:t>29/10/15</a:t>
             </a:fld>
             <a:endParaRPr lang="en-US"/>
           </a:p>
@@ -1884,7 +1884,7 @@
           <a:p>
             <a:fld id="{0FEBD326-C510-3641-AE43-F6AA4829DB70}" type="datetimeFigureOut">
               <a:rPr lang="en-US" smtClean="0"/>
-              <a:t>18/08/15</a:t>
+              <a:t>29/10/15</a:t>
             </a:fld>
             <a:endParaRPr lang="en-US"/>
           </a:p>
@@ -1979,7 +1979,7 @@
           <a:p>
             <a:fld id="{0FEBD326-C510-3641-AE43-F6AA4829DB70}" type="datetimeFigureOut">
               <a:rPr lang="en-US" smtClean="0"/>
-              <a:t>18/08/15</a:t>
+              <a:t>29/10/15</a:t>
             </a:fld>
             <a:endParaRPr lang="en-US"/>
           </a:p>
@@ -2256,7 +2256,7 @@
           <a:p>
             <a:fld id="{0FEBD326-C510-3641-AE43-F6AA4829DB70}" type="datetimeFigureOut">
               <a:rPr lang="en-US" smtClean="0"/>
-              <a:t>18/08/15</a:t>
+              <a:t>29/10/15</a:t>
             </a:fld>
             <a:endParaRPr lang="en-US"/>
           </a:p>
@@ -2509,7 +2509,7 @@
           <a:p>
             <a:fld id="{0FEBD326-C510-3641-AE43-F6AA4829DB70}" type="datetimeFigureOut">
               <a:rPr lang="en-US" smtClean="0"/>
-              <a:t>18/08/15</a:t>
+              <a:t>29/10/15</a:t>
             </a:fld>
             <a:endParaRPr lang="en-US"/>
           </a:p>
@@ -2722,7 +2722,7 @@
           <a:p>
             <a:fld id="{0FEBD326-C510-3641-AE43-F6AA4829DB70}" type="datetimeFigureOut">
               <a:rPr lang="en-US" smtClean="0"/>
-              <a:t>18/08/15</a:t>
+              <a:t>29/10/15</a:t>
             </a:fld>
             <a:endParaRPr lang="en-US"/>
           </a:p>
@@ -7996,6 +7996,13 @@
   <p:clrMapOvr>
     <a:masterClrMapping/>
   </p:clrMapOvr>
+  <p:timing>
+    <p:tnLst>
+      <p:par>
+        <p:cTn xmlns:p14="http://schemas.microsoft.com/office/powerpoint/2010/main" id="1" dur="indefinite" restart="never" nodeType="tmRoot"/>
+      </p:par>
+    </p:tnLst>
+  </p:timing>
 </p:sld>
 </file>
 
@@ -8708,7 +8715,7 @@
         </p:nvSpPr>
         <p:spPr>
           <a:xfrm>
-            <a:off x="1736747" y="1619898"/>
+            <a:off x="1745213" y="1408248"/>
             <a:ext cx="702159" cy="661466"/>
           </a:xfrm>
           <a:prstGeom prst="ellipse">
@@ -8780,14 +8787,7 @@
                 <a:latin typeface="Century Gothic"/>
                 <a:cs typeface="Century Gothic"/>
               </a:rPr>
-              <a:t>Spheroid/</a:t>
-            </a:r>
-            <a:r>
-              <a:rPr lang="en-US" sz="2800" dirty="0" smtClean="0">
-                <a:latin typeface="Century Gothic"/>
-                <a:cs typeface="Century Gothic"/>
-              </a:rPr>
-              <a:t>Total</a:t>
+              <a:t>Spheroid/Total</a:t>
             </a:r>
             <a:endParaRPr lang="en-US" sz="2800" dirty="0">
               <a:latin typeface="Century Gothic"/>
@@ -9388,7 +9388,7 @@
         </p:nvSpPr>
         <p:spPr>
           <a:xfrm>
-            <a:off x="1832559" y="1869790"/>
+            <a:off x="1841025" y="1658140"/>
             <a:ext cx="528055" cy="193842"/>
           </a:xfrm>
           <a:prstGeom prst="ellipse">
@@ -9434,7 +9434,7 @@
         </p:nvSpPr>
         <p:spPr>
           <a:xfrm>
-            <a:off x="1736747" y="676744"/>
+            <a:off x="1736747" y="634414"/>
             <a:ext cx="702159" cy="661466"/>
           </a:xfrm>
           <a:prstGeom prst="ellipse">
@@ -9480,7 +9480,7 @@
         </p:nvSpPr>
         <p:spPr>
           <a:xfrm rot="16200000">
-            <a:off x="1810409" y="2584925"/>
+            <a:off x="1810409" y="2551061"/>
             <a:ext cx="556128" cy="528053"/>
           </a:xfrm>
           <a:prstGeom prst="chord">
@@ -9529,7 +9529,7 @@
         </p:nvSpPr>
         <p:spPr>
           <a:xfrm>
-            <a:off x="1825505" y="2597622"/>
+            <a:off x="1825505" y="2563758"/>
             <a:ext cx="528053" cy="534736"/>
           </a:xfrm>
           <a:prstGeom prst="ellipse">
@@ -9575,7 +9575,7 @@
         </p:nvSpPr>
         <p:spPr>
           <a:xfrm>
-            <a:off x="1683140" y="2773416"/>
+            <a:off x="1683140" y="2739552"/>
             <a:ext cx="812799" cy="193842"/>
           </a:xfrm>
           <a:prstGeom prst="ellipse">
@@ -9621,7 +9621,7 @@
         </p:nvSpPr>
         <p:spPr>
           <a:xfrm rot="5400000">
-            <a:off x="1811466" y="2619012"/>
+            <a:off x="1811466" y="2585148"/>
             <a:ext cx="556128" cy="528053"/>
           </a:xfrm>
           <a:prstGeom prst="chord">
@@ -10317,7 +10317,7 @@
         </p:nvSpPr>
         <p:spPr>
           <a:xfrm>
-            <a:off x="1917023" y="776644"/>
+            <a:off x="1917023" y="734314"/>
             <a:ext cx="280737" cy="461665"/>
           </a:xfrm>
           <a:prstGeom prst="rect">
@@ -10347,7 +10347,7 @@
         </p:nvSpPr>
         <p:spPr>
           <a:xfrm>
-            <a:off x="1858310" y="1710137"/>
+            <a:off x="1866776" y="1498487"/>
             <a:ext cx="490261" cy="461665"/>
           </a:xfrm>
           <a:prstGeom prst="rect">
@@ -10377,7 +10377,7 @@
         </p:nvSpPr>
         <p:spPr>
           <a:xfrm>
-            <a:off x="2276986" y="704525"/>
+            <a:off x="2276986" y="662195"/>
             <a:ext cx="1271700" cy="646331"/>
           </a:xfrm>
           <a:prstGeom prst="rect">
@@ -10431,7 +10431,7 @@
         </p:nvSpPr>
         <p:spPr>
           <a:xfrm>
-            <a:off x="2271306" y="2864371"/>
+            <a:off x="2271306" y="2813575"/>
             <a:ext cx="1113371" cy="646331"/>
           </a:xfrm>
           <a:prstGeom prst="rect">
@@ -10485,7 +10485,7 @@
         </p:nvSpPr>
         <p:spPr>
           <a:xfrm>
-            <a:off x="2106184" y="1547612"/>
+            <a:off x="2114650" y="1335962"/>
             <a:ext cx="1622059" cy="923330"/>
           </a:xfrm>
           <a:prstGeom prst="rect">
@@ -10514,10 +10514,6 @@
               </a:rPr>
               <a:t>fast </a:t>
             </a:r>
-            <a:endParaRPr lang="en-US" sz="1800" dirty="0" smtClean="0">
-              <a:latin typeface="Century Gothic"/>
-              <a:cs typeface="Century Gothic"/>
-            </a:endParaRPr>
           </a:p>
           <a:p>
             <a:pPr algn="ctr"/>
@@ -10528,10 +10524,6 @@
               </a:rPr>
               <a:t>inner &amp;</a:t>
             </a:r>
-            <a:endParaRPr lang="en-US" sz="1800" dirty="0" smtClean="0">
-              <a:latin typeface="Century Gothic"/>
-              <a:cs typeface="Century Gothic"/>
-            </a:endParaRPr>
           </a:p>
           <a:p>
             <a:pPr algn="ctr"/>
@@ -10540,14 +10532,7 @@
                 <a:latin typeface="Century Gothic"/>
                 <a:cs typeface="Century Gothic"/>
               </a:rPr>
-              <a:t>slow </a:t>
-            </a:r>
-            <a:r>
-              <a:rPr lang="en-US" sz="1800" dirty="0" smtClean="0">
-                <a:latin typeface="Century Gothic"/>
-                <a:cs typeface="Century Gothic"/>
-              </a:rPr>
-              <a:t>outer</a:t>
+              <a:t>slow outer</a:t>
             </a:r>
           </a:p>
         </p:txBody>
@@ -10708,8 +10693,8 @@
         </p:nvCxnSpPr>
         <p:spPr>
           <a:xfrm flipH="1">
-            <a:off x="1351490" y="941865"/>
-            <a:ext cx="14514" cy="4716000"/>
+            <a:off x="1351490" y="954565"/>
+            <a:ext cx="14514" cy="4906484"/>
           </a:xfrm>
           <a:prstGeom prst="line">
             <a:avLst/>
@@ -10743,7 +10728,7 @@
         </p:nvSpPr>
         <p:spPr>
           <a:xfrm>
-            <a:off x="1850417" y="2501792"/>
+            <a:off x="1850417" y="2467928"/>
             <a:ext cx="490261" cy="461665"/>
           </a:xfrm>
           <a:prstGeom prst="rect">
@@ -10856,7 +10841,7 @@
         </p:nvSpPr>
         <p:spPr>
           <a:xfrm rot="16200000">
-            <a:off x="1827741" y="3395302"/>
+            <a:off x="1827741" y="3598486"/>
             <a:ext cx="556128" cy="528053"/>
           </a:xfrm>
           <a:prstGeom prst="chord">
@@ -10905,7 +10890,7 @@
         </p:nvSpPr>
         <p:spPr>
           <a:xfrm>
-            <a:off x="1842093" y="3457108"/>
+            <a:off x="1842093" y="3660292"/>
             <a:ext cx="528052" cy="478355"/>
           </a:xfrm>
           <a:prstGeom prst="ellipse">
@@ -10951,7 +10936,7 @@
         </p:nvSpPr>
         <p:spPr>
           <a:xfrm>
-            <a:off x="1446234" y="3587146"/>
+            <a:off x="1446234" y="3790330"/>
             <a:ext cx="1271700" cy="193842"/>
           </a:xfrm>
           <a:prstGeom prst="ellipse">
@@ -10997,7 +10982,7 @@
         </p:nvSpPr>
         <p:spPr>
           <a:xfrm rot="5400000">
-            <a:off x="1851943" y="3444645"/>
+            <a:off x="1851943" y="3647829"/>
             <a:ext cx="507722" cy="528052"/>
           </a:xfrm>
           <a:prstGeom prst="chord">
@@ -11046,7 +11031,7 @@
         </p:nvSpPr>
         <p:spPr>
           <a:xfrm>
-            <a:off x="1870353" y="3326169"/>
+            <a:off x="1870353" y="3529353"/>
             <a:ext cx="490261" cy="461665"/>
           </a:xfrm>
           <a:prstGeom prst="rect">
@@ -11078,6 +11063,13 @@
   <p:clrMapOvr>
     <a:masterClrMapping/>
   </p:clrMapOvr>
+  <p:timing>
+    <p:tnLst>
+      <p:par>
+        <p:cTn xmlns:p14="http://schemas.microsoft.com/office/powerpoint/2010/main" id="1" dur="indefinite" restart="never" nodeType="tmRoot"/>
+      </p:par>
+    </p:tnLst>
+  </p:timing>
 </p:sld>
 </file>
 
